--- a/0716黑蚵松.pptx
+++ b/0716黑蚵松.pptx
@@ -1134,7 +1134,7 @@
           <a:p>
             <a:r>
               <a:rPr lang="zh-TW" altLang="en-US" dirty="0"/>
-              <a:t>進行圖表化的呈現</a:t>
+              <a:t>將目前的狀況進行圖表化的呈現</a:t>
             </a:r>
             <a:endParaRPr lang="en-US" altLang="zh-TW" dirty="0"/>
           </a:p>
@@ -1310,7 +1310,10 @@
           <a:bodyPr/>
           <a:lstStyle/>
           <a:p>
-            <a:endParaRPr lang="zh-TW" altLang="en-US" dirty="0"/>
+            <a:r>
+              <a:rPr lang="zh-TW" altLang="en-US" dirty="0"/>
+              <a:t>最後在來回顧我們的貢獻</a:t>
+            </a:r>
           </a:p>
         </p:txBody>
       </p:sp>
@@ -1602,7 +1605,7 @@
           <a:p>
             <a:r>
               <a:rPr lang="zh-TW" altLang="en-US" dirty="0"/>
-              <a:t>高齡化的衝擊中</a:t>
+              <a:t>高齡化的社會中</a:t>
             </a:r>
             <a:endParaRPr lang="en-US" altLang="zh-TW" dirty="0"/>
           </a:p>
@@ -1808,6 +1811,18 @@
             <a:r>
               <a:rPr lang="zh-TW" altLang="en-US" dirty="0"/>
               <a:t>因此選擇了這兩個地點</a:t>
+            </a:r>
+            <a:endParaRPr lang="en-US" altLang="zh-TW" dirty="0"/>
+          </a:p>
+          <a:p>
+            <a:pPr rtl="0"/>
+            <a:endParaRPr lang="en-US" altLang="zh-TW" dirty="0"/>
+          </a:p>
+          <a:p>
+            <a:pPr rtl="0"/>
+            <a:r>
+              <a:rPr lang="zh-TW" altLang="en-US" dirty="0"/>
+              <a:t>並從四個面項進行計算</a:t>
             </a:r>
           </a:p>
         </p:txBody>
@@ -2168,6 +2183,61 @@
         <p:txBody>
           <a:bodyPr/>
           <a:lstStyle/>
+          <a:p>
+            <a:pPr marL="0" marR="0" lvl="0" indent="0" algn="l" defTabSz="914400" rtl="0" eaLnBrk="1" fontAlgn="auto" latinLnBrk="0" hangingPunct="1">
+              <a:lnSpc>
+                <a:spcPct val="100000"/>
+              </a:lnSpc>
+              <a:spcBef>
+                <a:spcPts val="0"/>
+              </a:spcBef>
+              <a:spcAft>
+                <a:spcPts val="0"/>
+              </a:spcAft>
+              <a:buClrTx/>
+              <a:buSzTx/>
+              <a:buFontTx/>
+              <a:buNone/>
+              <a:tabLst/>
+              <a:defRPr/>
+            </a:pPr>
+            <a:r>
+              <a:rPr lang="zh-TW" altLang="en-US" dirty="0"/>
+              <a:t>欄位不一致 進行更名正規化</a:t>
+            </a:r>
+            <a:endParaRPr lang="en-US" altLang="zh-TW" dirty="0"/>
+          </a:p>
+          <a:p>
+            <a:pPr marL="0" marR="0" lvl="0" indent="0" algn="l" defTabSz="914400" rtl="0" eaLnBrk="1" fontAlgn="auto" latinLnBrk="0" hangingPunct="1">
+              <a:lnSpc>
+                <a:spcPct val="100000"/>
+              </a:lnSpc>
+              <a:spcBef>
+                <a:spcPts val="0"/>
+              </a:spcBef>
+              <a:spcAft>
+                <a:spcPts val="0"/>
+              </a:spcAft>
+              <a:buClrTx/>
+              <a:buSzTx/>
+              <a:buFontTx/>
+              <a:buNone/>
+              <a:tabLst/>
+              <a:defRPr/>
+            </a:pPr>
+            <a:r>
+              <a:rPr lang="zh-TW" altLang="en-US" dirty="0"/>
+              <a:t>移除遺失值</a:t>
+            </a:r>
+            <a:endParaRPr lang="en-US" altLang="zh-TW" dirty="0"/>
+          </a:p>
+          <a:p>
+            <a:r>
+              <a:rPr lang="zh-TW" altLang="en-US" dirty="0"/>
+              <a:t>進行同類型資料整合</a:t>
+            </a:r>
+            <a:endParaRPr lang="en-US" altLang="zh-TW" dirty="0"/>
+          </a:p>
           <a:p>
             <a:r>
               <a:rPr lang="zh-TW" altLang="en-US" dirty="0"/>
@@ -11383,7 +11453,7 @@
                                         <p:tgtEl>
                                           <p:spTgt spid="2">
                                             <p:txEl>
-                                              <p:charRg st="62" end="73"/>
+                                              <p:pRg st="4" end="4"/>
                                             </p:txEl>
                                           </p:spTgt>
                                         </p:tgtEl>
@@ -11401,7 +11471,7 @@
                                         <p:tgtEl>
                                           <p:spTgt spid="2">
                                             <p:txEl>
-                                              <p:charRg st="62" end="73"/>
+                                              <p:pRg st="4" end="4"/>
                                             </p:txEl>
                                           </p:spTgt>
                                         </p:tgtEl>
@@ -11413,7 +11483,7 @@
                                         <p:tgtEl>
                                           <p:spTgt spid="2">
                                             <p:txEl>
-                                              <p:charRg st="62" end="73"/>
+                                              <p:pRg st="4" end="4"/>
                                             </p:txEl>
                                           </p:spTgt>
                                         </p:tgtEl>
@@ -11440,7 +11510,7 @@
                                         <p:tgtEl>
                                           <p:spTgt spid="2">
                                             <p:txEl>
-                                              <p:charRg st="62" end="73"/>
+                                              <p:pRg st="4" end="4"/>
                                             </p:txEl>
                                           </p:spTgt>
                                         </p:tgtEl>
@@ -27531,6 +27601,455 @@
           </a:p>
         </p:txBody>
       </p:sp>
+      <p:grpSp>
+        <p:nvGrpSpPr>
+          <p:cNvPr id="4" name="群組 3">
+            <a:extLst>
+              <a:ext uri="{FF2B5EF4-FFF2-40B4-BE49-F238E27FC236}">
+                <a16:creationId xmlns:a16="http://schemas.microsoft.com/office/drawing/2014/main" id="{A94639FB-3722-4736-BF5F-828BCEB614FB}"/>
+              </a:ext>
+            </a:extLst>
+          </p:cNvPr>
+          <p:cNvGrpSpPr/>
+          <p:nvPr/>
+        </p:nvGrpSpPr>
+        <p:grpSpPr>
+          <a:xfrm>
+            <a:off x="5696268" y="4209641"/>
+            <a:ext cx="2157943" cy="2131967"/>
+            <a:chOff x="5696268" y="4209641"/>
+            <a:chExt cx="2157943" cy="2131967"/>
+          </a:xfrm>
+        </p:grpSpPr>
+        <p:sp>
+          <p:nvSpPr>
+            <p:cNvPr id="13" name="向右箭號 43">
+              <a:extLst>
+                <a:ext uri="{FF2B5EF4-FFF2-40B4-BE49-F238E27FC236}">
+                  <a16:creationId xmlns:a16="http://schemas.microsoft.com/office/drawing/2014/main" id="{FEFAF2B6-1523-4105-A53A-AD2DFDA1C345}"/>
+                </a:ext>
+              </a:extLst>
+            </p:cNvPr>
+            <p:cNvSpPr/>
+            <p:nvPr/>
+          </p:nvSpPr>
+          <p:spPr bwMode="auto">
+            <a:xfrm>
+              <a:off x="5696268" y="4353118"/>
+              <a:ext cx="330200" cy="297821"/>
+            </a:xfrm>
+            <a:prstGeom prst="rightArrow">
+              <a:avLst/>
+            </a:prstGeom>
+            <a:solidFill>
+              <a:srgbClr val="FA4C7A"/>
+            </a:solidFill>
+            <a:ln w="9525" cap="flat" cmpd="sng" algn="ctr">
+              <a:noFill/>
+              <a:prstDash val="solid"/>
+              <a:round/>
+              <a:headEnd type="none" w="med" len="med"/>
+              <a:tailEnd type="none" w="med" len="med"/>
+            </a:ln>
+            <a:effectLst/>
+            <a:extLst/>
+          </p:spPr>
+          <p:txBody>
+            <a:bodyPr vert="horz" wrap="square" lIns="91440" tIns="45720" rIns="91440" bIns="45720" numCol="1" rtlCol="0" anchor="t" anchorCtr="0" compatLnSpc="1">
+              <a:prstTxWarp prst="textNoShape">
+                <a:avLst/>
+              </a:prstTxWarp>
+            </a:bodyPr>
+            <a:lstStyle/>
+            <a:p>
+              <a:pPr marL="0" marR="0" indent="0" algn="l" defTabSz="914400" rtl="0" eaLnBrk="1" fontAlgn="base" latinLnBrk="0" hangingPunct="1">
+                <a:lnSpc>
+                  <a:spcPct val="100000"/>
+                </a:lnSpc>
+                <a:spcBef>
+                  <a:spcPct val="0"/>
+                </a:spcBef>
+                <a:spcAft>
+                  <a:spcPct val="0"/>
+                </a:spcAft>
+                <a:buClrTx/>
+                <a:buSzTx/>
+                <a:buFont typeface="Arial" pitchFamily="34" charset="0"/>
+                <a:buNone/>
+                <a:tabLst/>
+              </a:pPr>
+              <a:endParaRPr kumimoji="0" lang="zh-TW" altLang="en-US" sz="3200" b="1" i="0" u="none" strike="noStrike" cap="none" normalizeH="0" baseline="0">
+                <a:ln>
+                  <a:noFill/>
+                </a:ln>
+                <a:solidFill>
+                  <a:schemeClr val="tx1"/>
+                </a:solidFill>
+                <a:effectLst/>
+                <a:latin typeface="Arial" pitchFamily="34" charset="0"/>
+                <a:ea typeface="宋体" pitchFamily="2" charset="-122"/>
+              </a:endParaRPr>
+            </a:p>
+          </p:txBody>
+        </p:sp>
+        <p:sp>
+          <p:nvSpPr>
+            <p:cNvPr id="14" name="文字方塊 13">
+              <a:extLst>
+                <a:ext uri="{FF2B5EF4-FFF2-40B4-BE49-F238E27FC236}">
+                  <a16:creationId xmlns:a16="http://schemas.microsoft.com/office/drawing/2014/main" id="{E6CAE37B-2A48-44DE-8EF9-06BE3B172863}"/>
+                </a:ext>
+              </a:extLst>
+            </p:cNvPr>
+            <p:cNvSpPr txBox="1"/>
+            <p:nvPr/>
+          </p:nvSpPr>
+          <p:spPr>
+            <a:xfrm>
+              <a:off x="6026467" y="4209641"/>
+              <a:ext cx="1005403" cy="584775"/>
+            </a:xfrm>
+            <a:prstGeom prst="rect">
+              <a:avLst/>
+            </a:prstGeom>
+            <a:noFill/>
+          </p:spPr>
+          <p:txBody>
+            <a:bodyPr wrap="none" rtlCol="0">
+              <a:spAutoFit/>
+            </a:bodyPr>
+            <a:lstStyle/>
+            <a:p>
+              <a:r>
+                <a:rPr lang="zh-TW" altLang="en-US" sz="3200" b="1" dirty="0"/>
+                <a:t>路口</a:t>
+              </a:r>
+            </a:p>
+          </p:txBody>
+        </p:sp>
+        <p:sp>
+          <p:nvSpPr>
+            <p:cNvPr id="15" name="向右箭號 45">
+              <a:extLst>
+                <a:ext uri="{FF2B5EF4-FFF2-40B4-BE49-F238E27FC236}">
+                  <a16:creationId xmlns:a16="http://schemas.microsoft.com/office/drawing/2014/main" id="{9AA2CE89-2A9C-4043-A535-0E40E1D3CF09}"/>
+                </a:ext>
+              </a:extLst>
+            </p:cNvPr>
+            <p:cNvSpPr/>
+            <p:nvPr/>
+          </p:nvSpPr>
+          <p:spPr bwMode="auto">
+            <a:xfrm>
+              <a:off x="5696268" y="4868849"/>
+              <a:ext cx="330200" cy="297821"/>
+            </a:xfrm>
+            <a:prstGeom prst="rightArrow">
+              <a:avLst/>
+            </a:prstGeom>
+            <a:solidFill>
+              <a:srgbClr val="FA4C7A"/>
+            </a:solidFill>
+            <a:ln w="9525" cap="flat" cmpd="sng" algn="ctr">
+              <a:noFill/>
+              <a:prstDash val="solid"/>
+              <a:round/>
+              <a:headEnd type="none" w="med" len="med"/>
+              <a:tailEnd type="none" w="med" len="med"/>
+            </a:ln>
+            <a:effectLst/>
+            <a:extLst/>
+          </p:spPr>
+          <p:txBody>
+            <a:bodyPr vert="horz" wrap="square" lIns="91440" tIns="45720" rIns="91440" bIns="45720" numCol="1" rtlCol="0" anchor="t" anchorCtr="0" compatLnSpc="1">
+              <a:prstTxWarp prst="textNoShape">
+                <a:avLst/>
+              </a:prstTxWarp>
+            </a:bodyPr>
+            <a:lstStyle/>
+            <a:p>
+              <a:pPr marL="0" marR="0" indent="0" algn="l" defTabSz="914400" rtl="0" eaLnBrk="1" fontAlgn="base" latinLnBrk="0" hangingPunct="1">
+                <a:lnSpc>
+                  <a:spcPct val="100000"/>
+                </a:lnSpc>
+                <a:spcBef>
+                  <a:spcPct val="0"/>
+                </a:spcBef>
+                <a:spcAft>
+                  <a:spcPct val="0"/>
+                </a:spcAft>
+                <a:buClrTx/>
+                <a:buSzTx/>
+                <a:buFont typeface="Arial" pitchFamily="34" charset="0"/>
+                <a:buNone/>
+                <a:tabLst/>
+              </a:pPr>
+              <a:endParaRPr kumimoji="0" lang="zh-TW" altLang="en-US" sz="3200" b="1" i="0" u="none" strike="noStrike" cap="none" normalizeH="0" baseline="0">
+                <a:ln>
+                  <a:noFill/>
+                </a:ln>
+                <a:solidFill>
+                  <a:schemeClr val="tx1"/>
+                </a:solidFill>
+                <a:effectLst/>
+                <a:latin typeface="Arial" pitchFamily="34" charset="0"/>
+                <a:ea typeface="宋体" pitchFamily="2" charset="-122"/>
+              </a:endParaRPr>
+            </a:p>
+          </p:txBody>
+        </p:sp>
+        <p:sp>
+          <p:nvSpPr>
+            <p:cNvPr id="16" name="文字方塊 15">
+              <a:extLst>
+                <a:ext uri="{FF2B5EF4-FFF2-40B4-BE49-F238E27FC236}">
+                  <a16:creationId xmlns:a16="http://schemas.microsoft.com/office/drawing/2014/main" id="{3527B8E3-4A6C-45D3-9B68-55F8D7138BEF}"/>
+                </a:ext>
+              </a:extLst>
+            </p:cNvPr>
+            <p:cNvSpPr txBox="1"/>
+            <p:nvPr/>
+          </p:nvSpPr>
+          <p:spPr>
+            <a:xfrm>
+              <a:off x="6026467" y="4725372"/>
+              <a:ext cx="1005403" cy="584775"/>
+            </a:xfrm>
+            <a:prstGeom prst="rect">
+              <a:avLst/>
+            </a:prstGeom>
+            <a:noFill/>
+          </p:spPr>
+          <p:txBody>
+            <a:bodyPr wrap="none" rtlCol="0">
+              <a:spAutoFit/>
+            </a:bodyPr>
+            <a:lstStyle/>
+            <a:p>
+              <a:r>
+                <a:rPr lang="zh-TW" altLang="en-US" sz="3200" b="1" dirty="0"/>
+                <a:t>街口</a:t>
+              </a:r>
+            </a:p>
+          </p:txBody>
+        </p:sp>
+        <p:sp>
+          <p:nvSpPr>
+            <p:cNvPr id="17" name="向右箭號 64">
+              <a:extLst>
+                <a:ext uri="{FF2B5EF4-FFF2-40B4-BE49-F238E27FC236}">
+                  <a16:creationId xmlns:a16="http://schemas.microsoft.com/office/drawing/2014/main" id="{8A0727B9-0106-40C6-95F9-B858F89D3FB8}"/>
+                </a:ext>
+              </a:extLst>
+            </p:cNvPr>
+            <p:cNvSpPr/>
+            <p:nvPr/>
+          </p:nvSpPr>
+          <p:spPr bwMode="auto">
+            <a:xfrm>
+              <a:off x="5696268" y="5384580"/>
+              <a:ext cx="330200" cy="297821"/>
+            </a:xfrm>
+            <a:prstGeom prst="rightArrow">
+              <a:avLst/>
+            </a:prstGeom>
+            <a:solidFill>
+              <a:srgbClr val="FA4C7A"/>
+            </a:solidFill>
+            <a:ln w="9525" cap="flat" cmpd="sng" algn="ctr">
+              <a:noFill/>
+              <a:prstDash val="solid"/>
+              <a:round/>
+              <a:headEnd type="none" w="med" len="med"/>
+              <a:tailEnd type="none" w="med" len="med"/>
+            </a:ln>
+            <a:effectLst/>
+            <a:extLst/>
+          </p:spPr>
+          <p:txBody>
+            <a:bodyPr vert="horz" wrap="square" lIns="91440" tIns="45720" rIns="91440" bIns="45720" numCol="1" rtlCol="0" anchor="t" anchorCtr="0" compatLnSpc="1">
+              <a:prstTxWarp prst="textNoShape">
+                <a:avLst/>
+              </a:prstTxWarp>
+            </a:bodyPr>
+            <a:lstStyle/>
+            <a:p>
+              <a:pPr marL="0" marR="0" indent="0" algn="l" defTabSz="914400" rtl="0" eaLnBrk="1" fontAlgn="base" latinLnBrk="0" hangingPunct="1">
+                <a:lnSpc>
+                  <a:spcPct val="100000"/>
+                </a:lnSpc>
+                <a:spcBef>
+                  <a:spcPct val="0"/>
+                </a:spcBef>
+                <a:spcAft>
+                  <a:spcPct val="0"/>
+                </a:spcAft>
+                <a:buClrTx/>
+                <a:buSzTx/>
+                <a:buFont typeface="Arial" pitchFamily="34" charset="0"/>
+                <a:buNone/>
+                <a:tabLst/>
+              </a:pPr>
+              <a:endParaRPr kumimoji="0" lang="zh-TW" altLang="en-US" sz="3200" b="1" i="0" u="none" strike="noStrike" cap="none" normalizeH="0" baseline="0">
+                <a:ln>
+                  <a:noFill/>
+                </a:ln>
+                <a:solidFill>
+                  <a:schemeClr val="tx1"/>
+                </a:solidFill>
+                <a:effectLst/>
+                <a:latin typeface="Arial" pitchFamily="34" charset="0"/>
+                <a:ea typeface="宋体" pitchFamily="2" charset="-122"/>
+              </a:endParaRPr>
+            </a:p>
+          </p:txBody>
+        </p:sp>
+        <p:sp>
+          <p:nvSpPr>
+            <p:cNvPr id="18" name="文字方塊 17">
+              <a:extLst>
+                <a:ext uri="{FF2B5EF4-FFF2-40B4-BE49-F238E27FC236}">
+                  <a16:creationId xmlns:a16="http://schemas.microsoft.com/office/drawing/2014/main" id="{D4D585F0-A6DB-4230-B763-7983F5545FC1}"/>
+                </a:ext>
+              </a:extLst>
+            </p:cNvPr>
+            <p:cNvSpPr txBox="1"/>
+            <p:nvPr/>
+          </p:nvSpPr>
+          <p:spPr>
+            <a:xfrm>
+              <a:off x="6026467" y="5241103"/>
+              <a:ext cx="1005403" cy="584775"/>
+            </a:xfrm>
+            <a:prstGeom prst="rect">
+              <a:avLst/>
+            </a:prstGeom>
+            <a:noFill/>
+          </p:spPr>
+          <p:txBody>
+            <a:bodyPr wrap="none" rtlCol="0">
+              <a:spAutoFit/>
+            </a:bodyPr>
+            <a:lstStyle/>
+            <a:p>
+              <a:r>
+                <a:rPr lang="zh-TW" altLang="en-US" sz="3200" b="1" dirty="0"/>
+                <a:t>縣道</a:t>
+              </a:r>
+            </a:p>
+          </p:txBody>
+        </p:sp>
+        <p:sp>
+          <p:nvSpPr>
+            <p:cNvPr id="19" name="向右箭號 66">
+              <a:extLst>
+                <a:ext uri="{FF2B5EF4-FFF2-40B4-BE49-F238E27FC236}">
+                  <a16:creationId xmlns:a16="http://schemas.microsoft.com/office/drawing/2014/main" id="{8C735A1D-3941-4055-BE38-6825007DFAD0}"/>
+                </a:ext>
+              </a:extLst>
+            </p:cNvPr>
+            <p:cNvSpPr/>
+            <p:nvPr/>
+          </p:nvSpPr>
+          <p:spPr bwMode="auto">
+            <a:xfrm>
+              <a:off x="5696268" y="5900310"/>
+              <a:ext cx="330200" cy="297821"/>
+            </a:xfrm>
+            <a:prstGeom prst="rightArrow">
+              <a:avLst/>
+            </a:prstGeom>
+            <a:solidFill>
+              <a:srgbClr val="FA4C7A"/>
+            </a:solidFill>
+            <a:ln w="9525" cap="flat" cmpd="sng" algn="ctr">
+              <a:noFill/>
+              <a:prstDash val="solid"/>
+              <a:round/>
+              <a:headEnd type="none" w="med" len="med"/>
+              <a:tailEnd type="none" w="med" len="med"/>
+            </a:ln>
+            <a:effectLst/>
+            <a:extLst/>
+          </p:spPr>
+          <p:txBody>
+            <a:bodyPr vert="horz" wrap="square" lIns="91440" tIns="45720" rIns="91440" bIns="45720" numCol="1" rtlCol="0" anchor="t" anchorCtr="0" compatLnSpc="1">
+              <a:prstTxWarp prst="textNoShape">
+                <a:avLst/>
+              </a:prstTxWarp>
+            </a:bodyPr>
+            <a:lstStyle/>
+            <a:p>
+              <a:pPr marL="0" marR="0" indent="0" algn="l" defTabSz="914400" rtl="0" eaLnBrk="1" fontAlgn="base" latinLnBrk="0" hangingPunct="1">
+                <a:lnSpc>
+                  <a:spcPct val="100000"/>
+                </a:lnSpc>
+                <a:spcBef>
+                  <a:spcPct val="0"/>
+                </a:spcBef>
+                <a:spcAft>
+                  <a:spcPct val="0"/>
+                </a:spcAft>
+                <a:buClrTx/>
+                <a:buSzTx/>
+                <a:buFont typeface="Arial" pitchFamily="34" charset="0"/>
+                <a:buNone/>
+                <a:tabLst/>
+              </a:pPr>
+              <a:endParaRPr kumimoji="0" lang="zh-TW" altLang="en-US" sz="3200" b="1" i="0" u="none" strike="noStrike" cap="none" normalizeH="0" baseline="0">
+                <a:ln>
+                  <a:noFill/>
+                </a:ln>
+                <a:solidFill>
+                  <a:schemeClr val="tx1"/>
+                </a:solidFill>
+                <a:effectLst/>
+                <a:latin typeface="Arial" pitchFamily="34" charset="0"/>
+                <a:ea typeface="宋体" pitchFamily="2" charset="-122"/>
+              </a:endParaRPr>
+            </a:p>
+          </p:txBody>
+        </p:sp>
+        <p:sp>
+          <p:nvSpPr>
+            <p:cNvPr id="20" name="文字方塊 19">
+              <a:extLst>
+                <a:ext uri="{FF2B5EF4-FFF2-40B4-BE49-F238E27FC236}">
+                  <a16:creationId xmlns:a16="http://schemas.microsoft.com/office/drawing/2014/main" id="{83C28C44-61B2-4DE1-ADF1-35789CD9CE3B}"/>
+                </a:ext>
+              </a:extLst>
+            </p:cNvPr>
+            <p:cNvSpPr txBox="1"/>
+            <p:nvPr/>
+          </p:nvSpPr>
+          <p:spPr>
+            <a:xfrm>
+              <a:off x="6026467" y="5756833"/>
+              <a:ext cx="1827744" cy="584775"/>
+            </a:xfrm>
+            <a:prstGeom prst="rect">
+              <a:avLst/>
+            </a:prstGeom>
+            <a:noFill/>
+          </p:spPr>
+          <p:txBody>
+            <a:bodyPr wrap="none" rtlCol="0">
+              <a:spAutoFit/>
+            </a:bodyPr>
+            <a:lstStyle/>
+            <a:p>
+              <a:r>
+                <a:rPr lang="en-US" altLang="zh-TW" sz="3200" b="1" dirty="0"/>
+                <a:t>XXX</a:t>
+              </a:r>
+              <a:r>
+                <a:rPr lang="zh-TW" altLang="en-US" sz="3200" b="1" dirty="0"/>
+                <a:t>店旁</a:t>
+              </a:r>
+            </a:p>
+          </p:txBody>
+        </p:sp>
+      </p:grpSp>
     </p:spTree>
     <p:extLst>
       <p:ext uri="{BB962C8B-B14F-4D97-AF65-F5344CB8AC3E}">
@@ -28375,6 +28894,50 @@
                                               <p:pRg st="4" end="4"/>
                                             </p:txEl>
                                           </p:spTgt>
+                                        </p:tgtEl>
+                                      </p:cBhvr>
+                                    </p:animEffect>
+                                  </p:childTnLst>
+                                </p:cTn>
+                              </p:par>
+                            </p:childTnLst>
+                          </p:cTn>
+                        </p:par>
+                        <p:par>
+                          <p:cTn id="58" fill="hold">
+                            <p:stCondLst>
+                              <p:cond delay="750"/>
+                            </p:stCondLst>
+                            <p:childTnLst>
+                              <p:par>
+                                <p:cTn id="59" presetID="22" presetClass="entr" presetSubtype="8" fill="hold" nodeType="afterEffect">
+                                  <p:stCondLst>
+                                    <p:cond delay="0"/>
+                                  </p:stCondLst>
+                                  <p:childTnLst>
+                                    <p:set>
+                                      <p:cBhvr>
+                                        <p:cTn id="60" dur="1" fill="hold">
+                                          <p:stCondLst>
+                                            <p:cond delay="0"/>
+                                          </p:stCondLst>
+                                        </p:cTn>
+                                        <p:tgtEl>
+                                          <p:spTgt spid="4"/>
+                                        </p:tgtEl>
+                                        <p:attrNameLst>
+                                          <p:attrName>style.visibility</p:attrName>
+                                        </p:attrNameLst>
+                                      </p:cBhvr>
+                                      <p:to>
+                                        <p:strVal val="visible"/>
+                                      </p:to>
+                                    </p:set>
+                                    <p:animEffect transition="in" filter="wipe(left)">
+                                      <p:cBhvr>
+                                        <p:cTn id="61" dur="500"/>
+                                        <p:tgtEl>
+                                          <p:spTgt spid="4"/>
                                         </p:tgtEl>
                                       </p:cBhvr>
                                     </p:animEffect>

--- a/0716黑蚵松.pptx
+++ b/0716黑蚵松.pptx
@@ -126,10 +126,10 @@
   </p:defaultTextStyle>
   <p:extLst>
     <p:ext uri="{EFAFB233-063F-42B5-8137-9DF3F51BA10A}">
-      <p15:sldGuideLst xmlns:p15="http://schemas.microsoft.com/office/powerpoint/2012/main"/>
+      <p15:sldGuideLst xmlns:p15="http://schemas.microsoft.com/office/powerpoint/2012/main" xmlns=""/>
     </p:ext>
     <p:ext uri="{2D200454-40CA-4A62-9FC3-DE9A4176ACB9}">
-      <p15:notesGuideLst xmlns:p15="http://schemas.microsoft.com/office/powerpoint/2012/main"/>
+      <p15:notesGuideLst xmlns:p15="http://schemas.microsoft.com/office/powerpoint/2012/main" xmlns=""/>
     </p:ext>
   </p:extLst>
 </p:presentation>
@@ -7843,7 +7843,7 @@
         <p:spPr>
           <a:xfrm>
             <a:off x="2830375" y="5100620"/>
-            <a:ext cx="7289816" cy="461665"/>
+            <a:ext cx="7289816" cy="830997"/>
           </a:xfrm>
           <a:prstGeom prst="rect">
             <a:avLst/>
@@ -7878,7 +7878,29 @@
             </a:r>
             <a:r>
               <a:rPr lang="en-US" altLang="zh-TW" sz="2400" dirty="0"/>
-              <a:t>Smile Angle Jessie</a:t>
+              <a:t>Smile Angle </a:t>
+            </a:r>
+            <a:r>
+              <a:rPr lang="en-US" altLang="zh-TW" sz="2400" dirty="0" smtClean="0"/>
+              <a:t>Jessie</a:t>
+            </a:r>
+          </a:p>
+          <a:p>
+            <a:r>
+              <a:rPr lang="zh-TW" altLang="en-US" sz="2400" dirty="0"/>
+              <a:t>指導</a:t>
+            </a:r>
+            <a:r>
+              <a:rPr lang="zh-TW" altLang="en-US" sz="2400" dirty="0" smtClean="0"/>
+              <a:t>老師 </a:t>
+            </a:r>
+            <a:r>
+              <a:rPr lang="en-US" altLang="zh-TW" sz="2400" dirty="0" smtClean="0"/>
+              <a:t>:</a:t>
+            </a:r>
+            <a:r>
+              <a:rPr lang="zh-TW" altLang="en-US" sz="2400" dirty="0" smtClean="0"/>
+              <a:t> 姜琇森</a:t>
             </a:r>
             <a:endParaRPr lang="zh-TW" altLang="en-US" sz="2400" dirty="0"/>
           </a:p>
@@ -8973,7 +8995,7 @@
           <p:cNvPr id="8" name="內容版面配置區 7">
             <a:extLst>
               <a:ext uri="{FF2B5EF4-FFF2-40B4-BE49-F238E27FC236}">
-                <a16:creationId xmlns:a16="http://schemas.microsoft.com/office/drawing/2014/main" id="{9BFBA791-357E-4F2E-809F-B589176FBB5B}"/>
+                <a16:creationId xmlns:a16="http://schemas.microsoft.com/office/drawing/2014/main" xmlns="" id="{9BFBA791-357E-4F2E-809F-B589176FBB5B}"/>
               </a:ext>
             </a:extLst>
           </p:cNvPr>
@@ -9008,7 +9030,7 @@
           <p:cNvPr id="3" name="標題 2">
             <a:extLst>
               <a:ext uri="{FF2B5EF4-FFF2-40B4-BE49-F238E27FC236}">
-                <a16:creationId xmlns:a16="http://schemas.microsoft.com/office/drawing/2014/main" id="{F44AE3FF-8132-4F0C-AE78-C31B44632383}"/>
+                <a16:creationId xmlns:a16="http://schemas.microsoft.com/office/drawing/2014/main" xmlns="" id="{F44AE3FF-8132-4F0C-AE78-C31B44632383}"/>
               </a:ext>
             </a:extLst>
           </p:cNvPr>
@@ -9036,7 +9058,7 @@
           <p:cNvPr id="4" name="頁尾版面配置區 3">
             <a:extLst>
               <a:ext uri="{FF2B5EF4-FFF2-40B4-BE49-F238E27FC236}">
-                <a16:creationId xmlns:a16="http://schemas.microsoft.com/office/drawing/2014/main" id="{F7F2DFC3-FF52-47E2-AA74-6186FDB8DC90}"/>
+                <a16:creationId xmlns:a16="http://schemas.microsoft.com/office/drawing/2014/main" xmlns="" id="{F7F2DFC3-FF52-47E2-AA74-6186FDB8DC90}"/>
               </a:ext>
             </a:extLst>
           </p:cNvPr>
@@ -9065,7 +9087,7 @@
           <p:cNvPr id="5" name="日期版面配置區 4">
             <a:extLst>
               <a:ext uri="{FF2B5EF4-FFF2-40B4-BE49-F238E27FC236}">
-                <a16:creationId xmlns:a16="http://schemas.microsoft.com/office/drawing/2014/main" id="{171B7A9D-57F6-4FBD-94CE-709066B29976}"/>
+                <a16:creationId xmlns:a16="http://schemas.microsoft.com/office/drawing/2014/main" xmlns="" id="{171B7A9D-57F6-4FBD-94CE-709066B29976}"/>
               </a:ext>
             </a:extLst>
           </p:cNvPr>
@@ -9094,7 +9116,7 @@
           <p:cNvPr id="6" name="投影片編號版面配置區 5">
             <a:extLst>
               <a:ext uri="{FF2B5EF4-FFF2-40B4-BE49-F238E27FC236}">
-                <a16:creationId xmlns:a16="http://schemas.microsoft.com/office/drawing/2014/main" id="{8FF90231-5591-45A7-8D24-B6149E7EC8A2}"/>
+                <a16:creationId xmlns:a16="http://schemas.microsoft.com/office/drawing/2014/main" xmlns="" id="{8FF90231-5591-45A7-8D24-B6149E7EC8A2}"/>
               </a:ext>
             </a:extLst>
           </p:cNvPr>
@@ -9128,7 +9150,7 @@
           <p:cNvPr id="9" name="矩形 8">
             <a:extLst>
               <a:ext uri="{FF2B5EF4-FFF2-40B4-BE49-F238E27FC236}">
-                <a16:creationId xmlns:a16="http://schemas.microsoft.com/office/drawing/2014/main" id="{3A1D3460-3C49-4ED5-9DAA-CF50AD19B10D}"/>
+                <a16:creationId xmlns:a16="http://schemas.microsoft.com/office/drawing/2014/main" xmlns="" id="{3A1D3460-3C49-4ED5-9DAA-CF50AD19B10D}"/>
               </a:ext>
             </a:extLst>
           </p:cNvPr>
@@ -9199,7 +9221,7 @@
           <p:cNvPr id="12" name="箭號: 弧形右彎 11">
             <a:extLst>
               <a:ext uri="{FF2B5EF4-FFF2-40B4-BE49-F238E27FC236}">
-                <a16:creationId xmlns:a16="http://schemas.microsoft.com/office/drawing/2014/main" id="{BD33D4B2-4DC3-4E3C-BB65-B3B27003D454}"/>
+                <a16:creationId xmlns:a16="http://schemas.microsoft.com/office/drawing/2014/main" xmlns="" id="{BD33D4B2-4DC3-4E3C-BB65-B3B27003D454}"/>
               </a:ext>
             </a:extLst>
           </p:cNvPr>
@@ -9272,7 +9294,7 @@
           <p:cNvPr id="14" name="圖片 13">
             <a:extLst>
               <a:ext uri="{FF2B5EF4-FFF2-40B4-BE49-F238E27FC236}">
-                <a16:creationId xmlns:a16="http://schemas.microsoft.com/office/drawing/2014/main" id="{DAD93714-6C62-4262-ABEF-73D484E8DEF8}"/>
+                <a16:creationId xmlns:a16="http://schemas.microsoft.com/office/drawing/2014/main" xmlns="" id="{DAD93714-6C62-4262-ABEF-73D484E8DEF8}"/>
               </a:ext>
             </a:extLst>
           </p:cNvPr>
@@ -9623,7 +9645,7 @@
           <p:cNvPr id="8" name="內容版面配置區 7">
             <a:extLst>
               <a:ext uri="{FF2B5EF4-FFF2-40B4-BE49-F238E27FC236}">
-                <a16:creationId xmlns:a16="http://schemas.microsoft.com/office/drawing/2014/main" id="{C4FDB134-953A-4489-8453-92B6BB81B784}"/>
+                <a16:creationId xmlns:a16="http://schemas.microsoft.com/office/drawing/2014/main" xmlns="" id="{C4FDB134-953A-4489-8453-92B6BB81B784}"/>
               </a:ext>
             </a:extLst>
           </p:cNvPr>
@@ -9658,7 +9680,7 @@
           <p:cNvPr id="3" name="標題 2">
             <a:extLst>
               <a:ext uri="{FF2B5EF4-FFF2-40B4-BE49-F238E27FC236}">
-                <a16:creationId xmlns:a16="http://schemas.microsoft.com/office/drawing/2014/main" id="{D9E1E0D6-A297-4EC4-AF95-76128497DFD1}"/>
+                <a16:creationId xmlns:a16="http://schemas.microsoft.com/office/drawing/2014/main" xmlns="" id="{D9E1E0D6-A297-4EC4-AF95-76128497DFD1}"/>
               </a:ext>
             </a:extLst>
           </p:cNvPr>
@@ -9686,7 +9708,7 @@
           <p:cNvPr id="4" name="頁尾版面配置區 3">
             <a:extLst>
               <a:ext uri="{FF2B5EF4-FFF2-40B4-BE49-F238E27FC236}">
-                <a16:creationId xmlns:a16="http://schemas.microsoft.com/office/drawing/2014/main" id="{ED09F86E-C687-480D-AD01-0DC6DDF532EA}"/>
+                <a16:creationId xmlns:a16="http://schemas.microsoft.com/office/drawing/2014/main" xmlns="" id="{ED09F86E-C687-480D-AD01-0DC6DDF532EA}"/>
               </a:ext>
             </a:extLst>
           </p:cNvPr>
@@ -9715,7 +9737,7 @@
           <p:cNvPr id="5" name="日期版面配置區 4">
             <a:extLst>
               <a:ext uri="{FF2B5EF4-FFF2-40B4-BE49-F238E27FC236}">
-                <a16:creationId xmlns:a16="http://schemas.microsoft.com/office/drawing/2014/main" id="{30DEB5BB-B154-4DED-9922-1091123FE788}"/>
+                <a16:creationId xmlns:a16="http://schemas.microsoft.com/office/drawing/2014/main" xmlns="" id="{30DEB5BB-B154-4DED-9922-1091123FE788}"/>
               </a:ext>
             </a:extLst>
           </p:cNvPr>
@@ -9744,7 +9766,7 @@
           <p:cNvPr id="6" name="投影片編號版面配置區 5">
             <a:extLst>
               <a:ext uri="{FF2B5EF4-FFF2-40B4-BE49-F238E27FC236}">
-                <a16:creationId xmlns:a16="http://schemas.microsoft.com/office/drawing/2014/main" id="{528ECDAA-8904-4477-BA95-3BD1D25F41A0}"/>
+                <a16:creationId xmlns:a16="http://schemas.microsoft.com/office/drawing/2014/main" xmlns="" id="{528ECDAA-8904-4477-BA95-3BD1D25F41A0}"/>
               </a:ext>
             </a:extLst>
           </p:cNvPr>
@@ -9778,7 +9800,7 @@
           <p:cNvPr id="10" name="文字方塊 9">
             <a:extLst>
               <a:ext uri="{FF2B5EF4-FFF2-40B4-BE49-F238E27FC236}">
-                <a16:creationId xmlns:a16="http://schemas.microsoft.com/office/drawing/2014/main" id="{736266B0-FF19-40F6-BFD1-C7FC00907800}"/>
+                <a16:creationId xmlns:a16="http://schemas.microsoft.com/office/drawing/2014/main" xmlns="" id="{736266B0-FF19-40F6-BFD1-C7FC00907800}"/>
               </a:ext>
             </a:extLst>
           </p:cNvPr>
@@ -9826,7 +9848,7 @@
           <p:cNvPr id="14" name="圖片 13">
             <a:extLst>
               <a:ext uri="{FF2B5EF4-FFF2-40B4-BE49-F238E27FC236}">
-                <a16:creationId xmlns:a16="http://schemas.microsoft.com/office/drawing/2014/main" id="{8C652008-73DE-483D-BC8E-A5ED20CA5C32}"/>
+                <a16:creationId xmlns:a16="http://schemas.microsoft.com/office/drawing/2014/main" xmlns="" id="{8C652008-73DE-483D-BC8E-A5ED20CA5C32}"/>
               </a:ext>
             </a:extLst>
           </p:cNvPr>
@@ -9862,7 +9884,7 @@
           <p:cNvPr id="16" name="文字方塊 15">
             <a:extLst>
               <a:ext uri="{FF2B5EF4-FFF2-40B4-BE49-F238E27FC236}">
-                <a16:creationId xmlns:a16="http://schemas.microsoft.com/office/drawing/2014/main" id="{A304BF03-32B7-45DB-9C5D-3EDFA3748A9D}"/>
+                <a16:creationId xmlns:a16="http://schemas.microsoft.com/office/drawing/2014/main" xmlns="" id="{A304BF03-32B7-45DB-9C5D-3EDFA3748A9D}"/>
               </a:ext>
             </a:extLst>
           </p:cNvPr>
@@ -9910,7 +9932,7 @@
           <p:cNvPr id="17" name="文字方塊 16">
             <a:extLst>
               <a:ext uri="{FF2B5EF4-FFF2-40B4-BE49-F238E27FC236}">
-                <a16:creationId xmlns:a16="http://schemas.microsoft.com/office/drawing/2014/main" id="{3ECCBD42-89BD-4D09-96FC-5EAA956D95EC}"/>
+                <a16:creationId xmlns:a16="http://schemas.microsoft.com/office/drawing/2014/main" xmlns="" id="{3ECCBD42-89BD-4D09-96FC-5EAA956D95EC}"/>
               </a:ext>
             </a:extLst>
           </p:cNvPr>
@@ -10382,7 +10404,7 @@
           <p:cNvPr id="2" name="內容版面配置區 1">
             <a:extLst>
               <a:ext uri="{FF2B5EF4-FFF2-40B4-BE49-F238E27FC236}">
-                <a16:creationId xmlns:a16="http://schemas.microsoft.com/office/drawing/2014/main" id="{C5B27718-4541-44F0-A74C-01B8AC28C5C2}"/>
+                <a16:creationId xmlns:a16="http://schemas.microsoft.com/office/drawing/2014/main" xmlns="" id="{C5B27718-4541-44F0-A74C-01B8AC28C5C2}"/>
               </a:ext>
             </a:extLst>
           </p:cNvPr>
@@ -10509,7 +10531,7 @@
           <p:cNvPr id="3" name="標題 2">
             <a:extLst>
               <a:ext uri="{FF2B5EF4-FFF2-40B4-BE49-F238E27FC236}">
-                <a16:creationId xmlns:a16="http://schemas.microsoft.com/office/drawing/2014/main" id="{D9E1E0D6-A297-4EC4-AF95-76128497DFD1}"/>
+                <a16:creationId xmlns:a16="http://schemas.microsoft.com/office/drawing/2014/main" xmlns="" id="{D9E1E0D6-A297-4EC4-AF95-76128497DFD1}"/>
               </a:ext>
             </a:extLst>
           </p:cNvPr>
@@ -10537,7 +10559,7 @@
           <p:cNvPr id="4" name="頁尾版面配置區 3">
             <a:extLst>
               <a:ext uri="{FF2B5EF4-FFF2-40B4-BE49-F238E27FC236}">
-                <a16:creationId xmlns:a16="http://schemas.microsoft.com/office/drawing/2014/main" id="{ED09F86E-C687-480D-AD01-0DC6DDF532EA}"/>
+                <a16:creationId xmlns:a16="http://schemas.microsoft.com/office/drawing/2014/main" xmlns="" id="{ED09F86E-C687-480D-AD01-0DC6DDF532EA}"/>
               </a:ext>
             </a:extLst>
           </p:cNvPr>
@@ -10571,7 +10593,7 @@
           <p:cNvPr id="5" name="日期版面配置區 4">
             <a:extLst>
               <a:ext uri="{FF2B5EF4-FFF2-40B4-BE49-F238E27FC236}">
-                <a16:creationId xmlns:a16="http://schemas.microsoft.com/office/drawing/2014/main" id="{30DEB5BB-B154-4DED-9922-1091123FE788}"/>
+                <a16:creationId xmlns:a16="http://schemas.microsoft.com/office/drawing/2014/main" xmlns="" id="{30DEB5BB-B154-4DED-9922-1091123FE788}"/>
               </a:ext>
             </a:extLst>
           </p:cNvPr>
@@ -10605,7 +10627,7 @@
           <p:cNvPr id="6" name="投影片編號版面配置區 5">
             <a:extLst>
               <a:ext uri="{FF2B5EF4-FFF2-40B4-BE49-F238E27FC236}">
-                <a16:creationId xmlns:a16="http://schemas.microsoft.com/office/drawing/2014/main" id="{528ECDAA-8904-4477-BA95-3BD1D25F41A0}"/>
+                <a16:creationId xmlns:a16="http://schemas.microsoft.com/office/drawing/2014/main" xmlns="" id="{528ECDAA-8904-4477-BA95-3BD1D25F41A0}"/>
               </a:ext>
             </a:extLst>
           </p:cNvPr>
@@ -10644,7 +10666,7 @@
           <p:cNvPr id="12" name="圖片 11">
             <a:extLst>
               <a:ext uri="{FF2B5EF4-FFF2-40B4-BE49-F238E27FC236}">
-                <a16:creationId xmlns:a16="http://schemas.microsoft.com/office/drawing/2014/main" id="{081A9DFE-6A8D-4495-A610-C499B48F3B77}"/>
+                <a16:creationId xmlns:a16="http://schemas.microsoft.com/office/drawing/2014/main" xmlns="" id="{081A9DFE-6A8D-4495-A610-C499B48F3B77}"/>
               </a:ext>
             </a:extLst>
           </p:cNvPr>
@@ -10680,7 +10702,7 @@
           <p:cNvPr id="8" name="圖片 7">
             <a:extLst>
               <a:ext uri="{FF2B5EF4-FFF2-40B4-BE49-F238E27FC236}">
-                <a16:creationId xmlns:a16="http://schemas.microsoft.com/office/drawing/2014/main" id="{386DDCD5-CA6E-49F2-A348-6D1F03100932}"/>
+                <a16:creationId xmlns:a16="http://schemas.microsoft.com/office/drawing/2014/main" xmlns="" id="{386DDCD5-CA6E-49F2-A348-6D1F03100932}"/>
               </a:ext>
             </a:extLst>
           </p:cNvPr>
@@ -10716,7 +10738,7 @@
           <p:cNvPr id="10" name="圖片 9">
             <a:extLst>
               <a:ext uri="{FF2B5EF4-FFF2-40B4-BE49-F238E27FC236}">
-                <a16:creationId xmlns:a16="http://schemas.microsoft.com/office/drawing/2014/main" id="{5C1CA893-0E2D-4E14-836D-CD32CEEB74C7}"/>
+                <a16:creationId xmlns:a16="http://schemas.microsoft.com/office/drawing/2014/main" xmlns="" id="{5C1CA893-0E2D-4E14-836D-CD32CEEB74C7}"/>
               </a:ext>
             </a:extLst>
           </p:cNvPr>
@@ -10752,7 +10774,7 @@
           <p:cNvPr id="16" name="圖片 15">
             <a:extLst>
               <a:ext uri="{FF2B5EF4-FFF2-40B4-BE49-F238E27FC236}">
-                <a16:creationId xmlns:a16="http://schemas.microsoft.com/office/drawing/2014/main" id="{199AFF5C-F87D-4EFC-8C1D-FDF31B75DD7C}"/>
+                <a16:creationId xmlns:a16="http://schemas.microsoft.com/office/drawing/2014/main" xmlns="" id="{199AFF5C-F87D-4EFC-8C1D-FDF31B75DD7C}"/>
               </a:ext>
             </a:extLst>
           </p:cNvPr>
@@ -10788,7 +10810,7 @@
           <p:cNvPr id="17" name="文字方塊 16">
             <a:extLst>
               <a:ext uri="{FF2B5EF4-FFF2-40B4-BE49-F238E27FC236}">
-                <a16:creationId xmlns:a16="http://schemas.microsoft.com/office/drawing/2014/main" id="{FC9ACB84-32B8-476C-9AF4-AE1B80B0F5E3}"/>
+                <a16:creationId xmlns:a16="http://schemas.microsoft.com/office/drawing/2014/main" xmlns="" id="{FC9ACB84-32B8-476C-9AF4-AE1B80B0F5E3}"/>
               </a:ext>
             </a:extLst>
           </p:cNvPr>
@@ -10828,7 +10850,7 @@
           <p:cNvPr id="18" name="文字方塊 17">
             <a:extLst>
               <a:ext uri="{FF2B5EF4-FFF2-40B4-BE49-F238E27FC236}">
-                <a16:creationId xmlns:a16="http://schemas.microsoft.com/office/drawing/2014/main" id="{F9801F66-9F80-4E11-BE1C-87E079170D41}"/>
+                <a16:creationId xmlns:a16="http://schemas.microsoft.com/office/drawing/2014/main" xmlns="" id="{F9801F66-9F80-4E11-BE1C-87E079170D41}"/>
               </a:ext>
             </a:extLst>
           </p:cNvPr>
@@ -10868,7 +10890,7 @@
           <p:cNvPr id="19" name="矩形 18">
             <a:extLst>
               <a:ext uri="{FF2B5EF4-FFF2-40B4-BE49-F238E27FC236}">
-                <a16:creationId xmlns:a16="http://schemas.microsoft.com/office/drawing/2014/main" id="{4E5D024A-6B0E-4F33-96BC-4167C96ED1B9}"/>
+                <a16:creationId xmlns:a16="http://schemas.microsoft.com/office/drawing/2014/main" xmlns="" id="{4E5D024A-6B0E-4F33-96BC-4167C96ED1B9}"/>
               </a:ext>
             </a:extLst>
           </p:cNvPr>
@@ -10939,7 +10961,7 @@
           <p:cNvPr id="20" name="文字方塊 19">
             <a:extLst>
               <a:ext uri="{FF2B5EF4-FFF2-40B4-BE49-F238E27FC236}">
-                <a16:creationId xmlns:a16="http://schemas.microsoft.com/office/drawing/2014/main" id="{872D5E43-7B7D-4705-8316-00F877FAD71F}"/>
+                <a16:creationId xmlns:a16="http://schemas.microsoft.com/office/drawing/2014/main" xmlns="" id="{872D5E43-7B7D-4705-8316-00F877FAD71F}"/>
               </a:ext>
             </a:extLst>
           </p:cNvPr>
@@ -11956,7 +11978,7 @@
           <p:cNvPr id="3" name="標題 2">
             <a:extLst>
               <a:ext uri="{FF2B5EF4-FFF2-40B4-BE49-F238E27FC236}">
-                <a16:creationId xmlns:a16="http://schemas.microsoft.com/office/drawing/2014/main" id="{D9E1E0D6-A297-4EC4-AF95-76128497DFD1}"/>
+                <a16:creationId xmlns:a16="http://schemas.microsoft.com/office/drawing/2014/main" xmlns="" id="{D9E1E0D6-A297-4EC4-AF95-76128497DFD1}"/>
               </a:ext>
             </a:extLst>
           </p:cNvPr>
@@ -11984,7 +12006,7 @@
           <p:cNvPr id="4" name="頁尾版面配置區 3">
             <a:extLst>
               <a:ext uri="{FF2B5EF4-FFF2-40B4-BE49-F238E27FC236}">
-                <a16:creationId xmlns:a16="http://schemas.microsoft.com/office/drawing/2014/main" id="{ED09F86E-C687-480D-AD01-0DC6DDF532EA}"/>
+                <a16:creationId xmlns:a16="http://schemas.microsoft.com/office/drawing/2014/main" xmlns="" id="{ED09F86E-C687-480D-AD01-0DC6DDF532EA}"/>
               </a:ext>
             </a:extLst>
           </p:cNvPr>
@@ -12013,7 +12035,7 @@
           <p:cNvPr id="5" name="日期版面配置區 4">
             <a:extLst>
               <a:ext uri="{FF2B5EF4-FFF2-40B4-BE49-F238E27FC236}">
-                <a16:creationId xmlns:a16="http://schemas.microsoft.com/office/drawing/2014/main" id="{30DEB5BB-B154-4DED-9922-1091123FE788}"/>
+                <a16:creationId xmlns:a16="http://schemas.microsoft.com/office/drawing/2014/main" xmlns="" id="{30DEB5BB-B154-4DED-9922-1091123FE788}"/>
               </a:ext>
             </a:extLst>
           </p:cNvPr>
@@ -12042,7 +12064,7 @@
           <p:cNvPr id="6" name="投影片編號版面配置區 5">
             <a:extLst>
               <a:ext uri="{FF2B5EF4-FFF2-40B4-BE49-F238E27FC236}">
-                <a16:creationId xmlns:a16="http://schemas.microsoft.com/office/drawing/2014/main" id="{528ECDAA-8904-4477-BA95-3BD1D25F41A0}"/>
+                <a16:creationId xmlns:a16="http://schemas.microsoft.com/office/drawing/2014/main" xmlns="" id="{528ECDAA-8904-4477-BA95-3BD1D25F41A0}"/>
               </a:ext>
             </a:extLst>
           </p:cNvPr>
@@ -12076,7 +12098,7 @@
           <p:cNvPr id="12" name="內容版面配置區 11">
             <a:extLst>
               <a:ext uri="{FF2B5EF4-FFF2-40B4-BE49-F238E27FC236}">
-                <a16:creationId xmlns:a16="http://schemas.microsoft.com/office/drawing/2014/main" id="{D9BC0F10-7CB0-496A-BB92-8B70C8B7381A}"/>
+                <a16:creationId xmlns:a16="http://schemas.microsoft.com/office/drawing/2014/main" xmlns="" id="{D9BC0F10-7CB0-496A-BB92-8B70C8B7381A}"/>
               </a:ext>
             </a:extLst>
           </p:cNvPr>
@@ -12111,7 +12133,7 @@
           <p:cNvPr id="13" name="文字方塊 12">
             <a:extLst>
               <a:ext uri="{FF2B5EF4-FFF2-40B4-BE49-F238E27FC236}">
-                <a16:creationId xmlns:a16="http://schemas.microsoft.com/office/drawing/2014/main" id="{5FE22233-E7BC-4A0C-B2B6-12E7896C4DB7}"/>
+                <a16:creationId xmlns:a16="http://schemas.microsoft.com/office/drawing/2014/main" xmlns="" id="{5FE22233-E7BC-4A0C-B2B6-12E7896C4DB7}"/>
               </a:ext>
             </a:extLst>
           </p:cNvPr>
@@ -12359,7 +12381,7 @@
           <p:cNvPr id="2" name="內容版面配置區 1">
             <a:extLst>
               <a:ext uri="{FF2B5EF4-FFF2-40B4-BE49-F238E27FC236}">
-                <a16:creationId xmlns:a16="http://schemas.microsoft.com/office/drawing/2014/main" id="{427235F7-0E4A-4C48-A1BF-527CA8FF9355}"/>
+                <a16:creationId xmlns:a16="http://schemas.microsoft.com/office/drawing/2014/main" xmlns="" id="{427235F7-0E4A-4C48-A1BF-527CA8FF9355}"/>
               </a:ext>
             </a:extLst>
           </p:cNvPr>
@@ -12516,7 +12538,7 @@
           <p:cNvPr id="3" name="標題 2">
             <a:extLst>
               <a:ext uri="{FF2B5EF4-FFF2-40B4-BE49-F238E27FC236}">
-                <a16:creationId xmlns:a16="http://schemas.microsoft.com/office/drawing/2014/main" id="{258145A8-746A-4D51-BD68-4B6078281C9B}"/>
+                <a16:creationId xmlns:a16="http://schemas.microsoft.com/office/drawing/2014/main" xmlns="" id="{258145A8-746A-4D51-BD68-4B6078281C9B}"/>
               </a:ext>
             </a:extLst>
           </p:cNvPr>
@@ -12549,7 +12571,7 @@
           <p:cNvPr id="4" name="頁尾版面配置區 3">
             <a:extLst>
               <a:ext uri="{FF2B5EF4-FFF2-40B4-BE49-F238E27FC236}">
-                <a16:creationId xmlns:a16="http://schemas.microsoft.com/office/drawing/2014/main" id="{16DF4DF3-EDF3-4DDB-9395-AAAE313DF792}"/>
+                <a16:creationId xmlns:a16="http://schemas.microsoft.com/office/drawing/2014/main" xmlns="" id="{16DF4DF3-EDF3-4DDB-9395-AAAE313DF792}"/>
               </a:ext>
             </a:extLst>
           </p:cNvPr>
@@ -12578,7 +12600,7 @@
           <p:cNvPr id="5" name="日期版面配置區 4">
             <a:extLst>
               <a:ext uri="{FF2B5EF4-FFF2-40B4-BE49-F238E27FC236}">
-                <a16:creationId xmlns:a16="http://schemas.microsoft.com/office/drawing/2014/main" id="{17FDC4AE-75F2-4AA9-908F-5102FA754279}"/>
+                <a16:creationId xmlns:a16="http://schemas.microsoft.com/office/drawing/2014/main" xmlns="" id="{17FDC4AE-75F2-4AA9-908F-5102FA754279}"/>
               </a:ext>
             </a:extLst>
           </p:cNvPr>
@@ -12607,7 +12629,7 @@
           <p:cNvPr id="6" name="投影片編號版面配置區 5">
             <a:extLst>
               <a:ext uri="{FF2B5EF4-FFF2-40B4-BE49-F238E27FC236}">
-                <a16:creationId xmlns:a16="http://schemas.microsoft.com/office/drawing/2014/main" id="{27775671-2970-4BB0-8089-B527530A7E0E}"/>
+                <a16:creationId xmlns:a16="http://schemas.microsoft.com/office/drawing/2014/main" xmlns="" id="{27775671-2970-4BB0-8089-B527530A7E0E}"/>
               </a:ext>
             </a:extLst>
           </p:cNvPr>
@@ -12641,7 +12663,7 @@
           <p:cNvPr id="11" name="群組 10">
             <a:extLst>
               <a:ext uri="{FF2B5EF4-FFF2-40B4-BE49-F238E27FC236}">
-                <a16:creationId xmlns:a16="http://schemas.microsoft.com/office/drawing/2014/main" id="{45187E29-569B-4994-B096-F40451E76F87}"/>
+                <a16:creationId xmlns:a16="http://schemas.microsoft.com/office/drawing/2014/main" xmlns="" id="{45187E29-569B-4994-B096-F40451E76F87}"/>
               </a:ext>
             </a:extLst>
           </p:cNvPr>
@@ -12661,7 +12683,7 @@
             <p:cNvPr id="12" name="文字方塊 11">
               <a:extLst>
                 <a:ext uri="{FF2B5EF4-FFF2-40B4-BE49-F238E27FC236}">
-                  <a16:creationId xmlns:a16="http://schemas.microsoft.com/office/drawing/2014/main" id="{AF21F5EC-3774-4FAF-883A-298DD2E792DA}"/>
+                  <a16:creationId xmlns:a16="http://schemas.microsoft.com/office/drawing/2014/main" xmlns="" id="{AF21F5EC-3774-4FAF-883A-298DD2E792DA}"/>
                 </a:ext>
               </a:extLst>
             </p:cNvPr>
@@ -12712,7 +12734,7 @@
             <p:cNvPr id="13" name="向右箭號 7">
               <a:extLst>
                 <a:ext uri="{FF2B5EF4-FFF2-40B4-BE49-F238E27FC236}">
-                  <a16:creationId xmlns:a16="http://schemas.microsoft.com/office/drawing/2014/main" id="{2925A8D4-4343-4D58-B95C-EAE4C5AD2344}"/>
+                  <a16:creationId xmlns:a16="http://schemas.microsoft.com/office/drawing/2014/main" xmlns="" id="{2925A8D4-4343-4D58-B95C-EAE4C5AD2344}"/>
                 </a:ext>
               </a:extLst>
             </p:cNvPr>
@@ -12784,7 +12806,7 @@
           <p:cNvPr id="14" name="群組 13">
             <a:extLst>
               <a:ext uri="{FF2B5EF4-FFF2-40B4-BE49-F238E27FC236}">
-                <a16:creationId xmlns:a16="http://schemas.microsoft.com/office/drawing/2014/main" id="{8B7D9DFC-EE92-4344-806C-C31EA4D3E058}"/>
+                <a16:creationId xmlns:a16="http://schemas.microsoft.com/office/drawing/2014/main" xmlns="" id="{8B7D9DFC-EE92-4344-806C-C31EA4D3E058}"/>
               </a:ext>
             </a:extLst>
           </p:cNvPr>
@@ -12804,7 +12826,7 @@
             <p:cNvPr id="15" name="文字方塊 14">
               <a:extLst>
                 <a:ext uri="{FF2B5EF4-FFF2-40B4-BE49-F238E27FC236}">
-                  <a16:creationId xmlns:a16="http://schemas.microsoft.com/office/drawing/2014/main" id="{F87DABCD-D023-4B20-A112-C5CD439431E5}"/>
+                  <a16:creationId xmlns:a16="http://schemas.microsoft.com/office/drawing/2014/main" xmlns="" id="{F87DABCD-D023-4B20-A112-C5CD439431E5}"/>
                 </a:ext>
               </a:extLst>
             </p:cNvPr>
@@ -12855,7 +12877,7 @@
             <p:cNvPr id="16" name="向右箭號 7">
               <a:extLst>
                 <a:ext uri="{FF2B5EF4-FFF2-40B4-BE49-F238E27FC236}">
-                  <a16:creationId xmlns:a16="http://schemas.microsoft.com/office/drawing/2014/main" id="{2885B4AD-7EF9-4E24-BC6A-DAE9B8006C0B}"/>
+                  <a16:creationId xmlns:a16="http://schemas.microsoft.com/office/drawing/2014/main" xmlns="" id="{2885B4AD-7EF9-4E24-BC6A-DAE9B8006C0B}"/>
                 </a:ext>
               </a:extLst>
             </p:cNvPr>
@@ -12927,7 +12949,7 @@
           <p:cNvPr id="17" name="群組 16">
             <a:extLst>
               <a:ext uri="{FF2B5EF4-FFF2-40B4-BE49-F238E27FC236}">
-                <a16:creationId xmlns:a16="http://schemas.microsoft.com/office/drawing/2014/main" id="{0C7F6310-B809-4587-8536-7D434987F732}"/>
+                <a16:creationId xmlns:a16="http://schemas.microsoft.com/office/drawing/2014/main" xmlns="" id="{0C7F6310-B809-4587-8536-7D434987F732}"/>
               </a:ext>
             </a:extLst>
           </p:cNvPr>
@@ -12947,7 +12969,7 @@
             <p:cNvPr id="18" name="文字方塊 17">
               <a:extLst>
                 <a:ext uri="{FF2B5EF4-FFF2-40B4-BE49-F238E27FC236}">
-                  <a16:creationId xmlns:a16="http://schemas.microsoft.com/office/drawing/2014/main" id="{26BA692D-40CC-48B4-A523-8BEECA82AC32}"/>
+                  <a16:creationId xmlns:a16="http://schemas.microsoft.com/office/drawing/2014/main" xmlns="" id="{26BA692D-40CC-48B4-A523-8BEECA82AC32}"/>
                 </a:ext>
               </a:extLst>
             </p:cNvPr>
@@ -12998,7 +13020,7 @@
             <p:cNvPr id="19" name="向右箭號 7">
               <a:extLst>
                 <a:ext uri="{FF2B5EF4-FFF2-40B4-BE49-F238E27FC236}">
-                  <a16:creationId xmlns:a16="http://schemas.microsoft.com/office/drawing/2014/main" id="{1AEB2F78-D50A-43C0-B793-435692258E7B}"/>
+                  <a16:creationId xmlns:a16="http://schemas.microsoft.com/office/drawing/2014/main" xmlns="" id="{1AEB2F78-D50A-43C0-B793-435692258E7B}"/>
                 </a:ext>
               </a:extLst>
             </p:cNvPr>
@@ -13070,7 +13092,7 @@
           <p:cNvPr id="20" name="群組 19">
             <a:extLst>
               <a:ext uri="{FF2B5EF4-FFF2-40B4-BE49-F238E27FC236}">
-                <a16:creationId xmlns:a16="http://schemas.microsoft.com/office/drawing/2014/main" id="{6794E98F-96FC-439E-A7D8-80C89D6E9C75}"/>
+                <a16:creationId xmlns:a16="http://schemas.microsoft.com/office/drawing/2014/main" xmlns="" id="{6794E98F-96FC-439E-A7D8-80C89D6E9C75}"/>
               </a:ext>
             </a:extLst>
           </p:cNvPr>
@@ -13090,7 +13112,7 @@
             <p:cNvPr id="21" name="文字方塊 20">
               <a:extLst>
                 <a:ext uri="{FF2B5EF4-FFF2-40B4-BE49-F238E27FC236}">
-                  <a16:creationId xmlns:a16="http://schemas.microsoft.com/office/drawing/2014/main" id="{640D3E17-C75F-42AB-815F-ECF8E88505BB}"/>
+                  <a16:creationId xmlns:a16="http://schemas.microsoft.com/office/drawing/2014/main" xmlns="" id="{640D3E17-C75F-42AB-815F-ECF8E88505BB}"/>
                 </a:ext>
               </a:extLst>
             </p:cNvPr>
@@ -13133,7 +13155,7 @@
             <p:cNvPr id="22" name="向右箭號 7">
               <a:extLst>
                 <a:ext uri="{FF2B5EF4-FFF2-40B4-BE49-F238E27FC236}">
-                  <a16:creationId xmlns:a16="http://schemas.microsoft.com/office/drawing/2014/main" id="{368AB9D1-7642-4809-A9CA-5D362350B93E}"/>
+                  <a16:creationId xmlns:a16="http://schemas.microsoft.com/office/drawing/2014/main" xmlns="" id="{368AB9D1-7642-4809-A9CA-5D362350B93E}"/>
                 </a:ext>
               </a:extLst>
             </p:cNvPr>
@@ -13205,7 +13227,7 @@
           <p:cNvPr id="23" name="群組 22">
             <a:extLst>
               <a:ext uri="{FF2B5EF4-FFF2-40B4-BE49-F238E27FC236}">
-                <a16:creationId xmlns:a16="http://schemas.microsoft.com/office/drawing/2014/main" id="{3244A99A-5FAD-402A-82F8-00EEAE7F4C7B}"/>
+                <a16:creationId xmlns:a16="http://schemas.microsoft.com/office/drawing/2014/main" xmlns="" id="{3244A99A-5FAD-402A-82F8-00EEAE7F4C7B}"/>
               </a:ext>
             </a:extLst>
           </p:cNvPr>
@@ -13225,7 +13247,7 @@
             <p:cNvPr id="24" name="文字方塊 23">
               <a:extLst>
                 <a:ext uri="{FF2B5EF4-FFF2-40B4-BE49-F238E27FC236}">
-                  <a16:creationId xmlns:a16="http://schemas.microsoft.com/office/drawing/2014/main" id="{F06ECEA4-28B4-4533-8B48-B064D0CF07D5}"/>
+                  <a16:creationId xmlns:a16="http://schemas.microsoft.com/office/drawing/2014/main" xmlns="" id="{F06ECEA4-28B4-4533-8B48-B064D0CF07D5}"/>
                 </a:ext>
               </a:extLst>
             </p:cNvPr>
@@ -13268,7 +13290,7 @@
             <p:cNvPr id="25" name="向右箭號 7">
               <a:extLst>
                 <a:ext uri="{FF2B5EF4-FFF2-40B4-BE49-F238E27FC236}">
-                  <a16:creationId xmlns:a16="http://schemas.microsoft.com/office/drawing/2014/main" id="{3F8827C0-C72F-46C1-AA94-1C1A7A95E3ED}"/>
+                  <a16:creationId xmlns:a16="http://schemas.microsoft.com/office/drawing/2014/main" xmlns="" id="{3F8827C0-C72F-46C1-AA94-1C1A7A95E3ED}"/>
                 </a:ext>
               </a:extLst>
             </p:cNvPr>
@@ -13340,7 +13362,7 @@
           <p:cNvPr id="26" name="群組 25">
             <a:extLst>
               <a:ext uri="{FF2B5EF4-FFF2-40B4-BE49-F238E27FC236}">
-                <a16:creationId xmlns:a16="http://schemas.microsoft.com/office/drawing/2014/main" id="{43629455-2CD1-4B3B-8663-6FED5E882EE4}"/>
+                <a16:creationId xmlns:a16="http://schemas.microsoft.com/office/drawing/2014/main" xmlns="" id="{43629455-2CD1-4B3B-8663-6FED5E882EE4}"/>
               </a:ext>
             </a:extLst>
           </p:cNvPr>
@@ -13360,7 +13382,7 @@
             <p:cNvPr id="27" name="文字方塊 26">
               <a:extLst>
                 <a:ext uri="{FF2B5EF4-FFF2-40B4-BE49-F238E27FC236}">
-                  <a16:creationId xmlns:a16="http://schemas.microsoft.com/office/drawing/2014/main" id="{EA8AC574-7DCF-42AD-ABB5-83385626B5A1}"/>
+                  <a16:creationId xmlns:a16="http://schemas.microsoft.com/office/drawing/2014/main" xmlns="" id="{EA8AC574-7DCF-42AD-ABB5-83385626B5A1}"/>
                 </a:ext>
               </a:extLst>
             </p:cNvPr>
@@ -13403,7 +13425,7 @@
             <p:cNvPr id="28" name="向右箭號 7">
               <a:extLst>
                 <a:ext uri="{FF2B5EF4-FFF2-40B4-BE49-F238E27FC236}">
-                  <a16:creationId xmlns:a16="http://schemas.microsoft.com/office/drawing/2014/main" id="{CD8E4EEC-3746-4482-A4FC-2B589FA06D6C}"/>
+                  <a16:creationId xmlns:a16="http://schemas.microsoft.com/office/drawing/2014/main" xmlns="" id="{CD8E4EEC-3746-4482-A4FC-2B589FA06D6C}"/>
                 </a:ext>
               </a:extLst>
             </p:cNvPr>
@@ -13475,7 +13497,7 @@
           <p:cNvPr id="29" name="文字方塊 28">
             <a:extLst>
               <a:ext uri="{FF2B5EF4-FFF2-40B4-BE49-F238E27FC236}">
-                <a16:creationId xmlns:a16="http://schemas.microsoft.com/office/drawing/2014/main" id="{91DC6852-2112-4F0C-A557-4D32A8B0A07D}"/>
+                <a16:creationId xmlns:a16="http://schemas.microsoft.com/office/drawing/2014/main" xmlns="" id="{91DC6852-2112-4F0C-A557-4D32A8B0A07D}"/>
               </a:ext>
             </a:extLst>
           </p:cNvPr>
@@ -13523,7 +13545,7 @@
           <p:cNvPr id="30" name="文字方塊 29">
             <a:extLst>
               <a:ext uri="{FF2B5EF4-FFF2-40B4-BE49-F238E27FC236}">
-                <a16:creationId xmlns:a16="http://schemas.microsoft.com/office/drawing/2014/main" id="{2C13699D-E13B-441A-92DE-0A02B68631D3}"/>
+                <a16:creationId xmlns:a16="http://schemas.microsoft.com/office/drawing/2014/main" xmlns="" id="{2C13699D-E13B-441A-92DE-0A02B68631D3}"/>
               </a:ext>
             </a:extLst>
           </p:cNvPr>
@@ -13571,7 +13593,7 @@
           <p:cNvPr id="36" name="圖片 35">
             <a:extLst>
               <a:ext uri="{FF2B5EF4-FFF2-40B4-BE49-F238E27FC236}">
-                <a16:creationId xmlns:a16="http://schemas.microsoft.com/office/drawing/2014/main" id="{13DE00C3-353F-47C6-B458-E3B196407AD2}"/>
+                <a16:creationId xmlns:a16="http://schemas.microsoft.com/office/drawing/2014/main" xmlns="" id="{13DE00C3-353F-47C6-B458-E3B196407AD2}"/>
               </a:ext>
             </a:extLst>
           </p:cNvPr>
@@ -13606,7 +13628,7 @@
           <p:cNvPr id="33" name="矩形 32">
             <a:extLst>
               <a:ext uri="{FF2B5EF4-FFF2-40B4-BE49-F238E27FC236}">
-                <a16:creationId xmlns:a16="http://schemas.microsoft.com/office/drawing/2014/main" id="{DBA64ED4-AD9F-4FD0-AF03-CC91C8641391}"/>
+                <a16:creationId xmlns:a16="http://schemas.microsoft.com/office/drawing/2014/main" xmlns="" id="{DBA64ED4-AD9F-4FD0-AF03-CC91C8641391}"/>
               </a:ext>
             </a:extLst>
           </p:cNvPr>
@@ -13677,7 +13699,7 @@
           <p:cNvPr id="34" name="文字方塊 33">
             <a:extLst>
               <a:ext uri="{FF2B5EF4-FFF2-40B4-BE49-F238E27FC236}">
-                <a16:creationId xmlns:a16="http://schemas.microsoft.com/office/drawing/2014/main" id="{C639F075-95CB-4854-920C-E454F4AC4B22}"/>
+                <a16:creationId xmlns:a16="http://schemas.microsoft.com/office/drawing/2014/main" xmlns="" id="{C639F075-95CB-4854-920C-E454F4AC4B22}"/>
               </a:ext>
             </a:extLst>
           </p:cNvPr>
@@ -16879,7 +16901,7 @@
           <p:cNvPr id="17" name="群組 16">
             <a:extLst>
               <a:ext uri="{FF2B5EF4-FFF2-40B4-BE49-F238E27FC236}">
-                <a16:creationId xmlns:a16="http://schemas.microsoft.com/office/drawing/2014/main" id="{CC28EBAB-462F-4116-B04E-71640D46FD63}"/>
+                <a16:creationId xmlns:a16="http://schemas.microsoft.com/office/drawing/2014/main" xmlns="" id="{CC28EBAB-462F-4116-B04E-71640D46FD63}"/>
               </a:ext>
             </a:extLst>
           </p:cNvPr>
@@ -17211,7 +17233,7 @@
           <p:cNvPr id="16" name="群組 15">
             <a:extLst>
               <a:ext uri="{FF2B5EF4-FFF2-40B4-BE49-F238E27FC236}">
-                <a16:creationId xmlns:a16="http://schemas.microsoft.com/office/drawing/2014/main" id="{A6E655ED-FED4-495D-8C92-793620D8CB9E}"/>
+                <a16:creationId xmlns:a16="http://schemas.microsoft.com/office/drawing/2014/main" xmlns="" id="{A6E655ED-FED4-495D-8C92-793620D8CB9E}"/>
               </a:ext>
             </a:extLst>
           </p:cNvPr>
@@ -17364,7 +17386,7 @@
           <p:cNvPr id="12" name="群組 11">
             <a:extLst>
               <a:ext uri="{FF2B5EF4-FFF2-40B4-BE49-F238E27FC236}">
-                <a16:creationId xmlns:a16="http://schemas.microsoft.com/office/drawing/2014/main" id="{11401493-2D85-482A-9526-EDF3BD82058F}"/>
+                <a16:creationId xmlns:a16="http://schemas.microsoft.com/office/drawing/2014/main" xmlns="" id="{11401493-2D85-482A-9526-EDF3BD82058F}"/>
               </a:ext>
             </a:extLst>
           </p:cNvPr>
@@ -17513,7 +17535,7 @@
           <p:cNvPr id="18" name="群組 17">
             <a:extLst>
               <a:ext uri="{FF2B5EF4-FFF2-40B4-BE49-F238E27FC236}">
-                <a16:creationId xmlns:a16="http://schemas.microsoft.com/office/drawing/2014/main" id="{B96B1A27-9929-4504-A41A-86014EDC580C}"/>
+                <a16:creationId xmlns:a16="http://schemas.microsoft.com/office/drawing/2014/main" xmlns="" id="{B96B1A27-9929-4504-A41A-86014EDC580C}"/>
               </a:ext>
             </a:extLst>
           </p:cNvPr>
@@ -20532,7 +20554,7 @@
           <p:cNvPr id="2" name="群組 1">
             <a:extLst>
               <a:ext uri="{FF2B5EF4-FFF2-40B4-BE49-F238E27FC236}">
-                <a16:creationId xmlns:a16="http://schemas.microsoft.com/office/drawing/2014/main" id="{643883FF-8917-4D5C-91D3-F4F7BC765906}"/>
+                <a16:creationId xmlns:a16="http://schemas.microsoft.com/office/drawing/2014/main" xmlns="" id="{643883FF-8917-4D5C-91D3-F4F7BC765906}"/>
               </a:ext>
             </a:extLst>
           </p:cNvPr>
@@ -20617,7 +20639,7 @@
           <p:cNvPr id="12" name="群組 11">
             <a:extLst>
               <a:ext uri="{FF2B5EF4-FFF2-40B4-BE49-F238E27FC236}">
-                <a16:creationId xmlns:a16="http://schemas.microsoft.com/office/drawing/2014/main" id="{F6E6F0D7-503B-49BF-8A5C-78631AB4095F}"/>
+                <a16:creationId xmlns:a16="http://schemas.microsoft.com/office/drawing/2014/main" xmlns="" id="{F6E6F0D7-503B-49BF-8A5C-78631AB4095F}"/>
               </a:ext>
             </a:extLst>
           </p:cNvPr>
@@ -20701,7 +20723,7 @@
           <p:cNvPr id="5" name="群組 4">
             <a:extLst>
               <a:ext uri="{FF2B5EF4-FFF2-40B4-BE49-F238E27FC236}">
-                <a16:creationId xmlns:a16="http://schemas.microsoft.com/office/drawing/2014/main" id="{0CF02E80-F0CF-40A5-BE84-047F32FE924D}"/>
+                <a16:creationId xmlns:a16="http://schemas.microsoft.com/office/drawing/2014/main" xmlns="" id="{0CF02E80-F0CF-40A5-BE84-047F32FE924D}"/>
               </a:ext>
             </a:extLst>
           </p:cNvPr>
@@ -20785,7 +20807,7 @@
           <p:cNvPr id="19" name="群組 18">
             <a:extLst>
               <a:ext uri="{FF2B5EF4-FFF2-40B4-BE49-F238E27FC236}">
-                <a16:creationId xmlns:a16="http://schemas.microsoft.com/office/drawing/2014/main" id="{0E06CE2F-0111-43F0-85A8-C3F6E1CA5DAA}"/>
+                <a16:creationId xmlns:a16="http://schemas.microsoft.com/office/drawing/2014/main" xmlns="" id="{0E06CE2F-0111-43F0-85A8-C3F6E1CA5DAA}"/>
               </a:ext>
             </a:extLst>
           </p:cNvPr>
@@ -20869,7 +20891,7 @@
           <p:cNvPr id="31" name="文字方塊 30">
             <a:extLst>
               <a:ext uri="{FF2B5EF4-FFF2-40B4-BE49-F238E27FC236}">
-                <a16:creationId xmlns:a16="http://schemas.microsoft.com/office/drawing/2014/main" id="{C8BAEB1A-675A-462A-AD21-86ADC7C357BA}"/>
+                <a16:creationId xmlns:a16="http://schemas.microsoft.com/office/drawing/2014/main" xmlns="" id="{C8BAEB1A-675A-462A-AD21-86ADC7C357BA}"/>
               </a:ext>
             </a:extLst>
           </p:cNvPr>
@@ -20909,7 +20931,7 @@
           <p:cNvPr id="32" name="文字方塊 31">
             <a:extLst>
               <a:ext uri="{FF2B5EF4-FFF2-40B4-BE49-F238E27FC236}">
-                <a16:creationId xmlns:a16="http://schemas.microsoft.com/office/drawing/2014/main" id="{D9609111-DBB8-4F0A-9923-763232C32AB0}"/>
+                <a16:creationId xmlns:a16="http://schemas.microsoft.com/office/drawing/2014/main" xmlns="" id="{D9609111-DBB8-4F0A-9923-763232C32AB0}"/>
               </a:ext>
             </a:extLst>
           </p:cNvPr>
@@ -21640,7 +21662,7 @@
           <p:cNvPr id="4" name="群組 3">
             <a:extLst>
               <a:ext uri="{FF2B5EF4-FFF2-40B4-BE49-F238E27FC236}">
-                <a16:creationId xmlns:a16="http://schemas.microsoft.com/office/drawing/2014/main" id="{76DAF19B-4662-499B-B081-FFBD8DFAA620}"/>
+                <a16:creationId xmlns:a16="http://schemas.microsoft.com/office/drawing/2014/main" xmlns="" id="{76DAF19B-4662-499B-B081-FFBD8DFAA620}"/>
               </a:ext>
             </a:extLst>
           </p:cNvPr>
@@ -21755,7 +21777,7 @@
           <p:cNvPr id="10" name="群組 9">
             <a:extLst>
               <a:ext uri="{FF2B5EF4-FFF2-40B4-BE49-F238E27FC236}">
-                <a16:creationId xmlns:a16="http://schemas.microsoft.com/office/drawing/2014/main" id="{FC38AA5E-4888-4E91-9280-F7EA51724526}"/>
+                <a16:creationId xmlns:a16="http://schemas.microsoft.com/office/drawing/2014/main" xmlns="" id="{FC38AA5E-4888-4E91-9280-F7EA51724526}"/>
               </a:ext>
             </a:extLst>
           </p:cNvPr>
@@ -22086,7 +22108,7 @@
           <p:cNvPr id="14" name="群組 13">
             <a:extLst>
               <a:ext uri="{FF2B5EF4-FFF2-40B4-BE49-F238E27FC236}">
-                <a16:creationId xmlns:a16="http://schemas.microsoft.com/office/drawing/2014/main" id="{69EDD4AC-9878-45BA-97EB-BC523D9C9746}"/>
+                <a16:creationId xmlns:a16="http://schemas.microsoft.com/office/drawing/2014/main" xmlns="" id="{69EDD4AC-9878-45BA-97EB-BC523D9C9746}"/>
               </a:ext>
             </a:extLst>
           </p:cNvPr>
@@ -22248,7 +22270,7 @@
           <p:cNvPr id="15" name="群組 14">
             <a:extLst>
               <a:ext uri="{FF2B5EF4-FFF2-40B4-BE49-F238E27FC236}">
-                <a16:creationId xmlns:a16="http://schemas.microsoft.com/office/drawing/2014/main" id="{2CBCAE69-A0E2-4840-9E51-331E2F19092E}"/>
+                <a16:creationId xmlns:a16="http://schemas.microsoft.com/office/drawing/2014/main" xmlns="" id="{2CBCAE69-A0E2-4840-9E51-331E2F19092E}"/>
               </a:ext>
             </a:extLst>
           </p:cNvPr>
@@ -22411,7 +22433,7 @@
           <p:cNvPr id="11" name="群組 10">
             <a:extLst>
               <a:ext uri="{FF2B5EF4-FFF2-40B4-BE49-F238E27FC236}">
-                <a16:creationId xmlns:a16="http://schemas.microsoft.com/office/drawing/2014/main" id="{03C2A4DA-DCD9-4CEC-BF6C-CC9F9E6A5F0E}"/>
+                <a16:creationId xmlns:a16="http://schemas.microsoft.com/office/drawing/2014/main" xmlns="" id="{03C2A4DA-DCD9-4CEC-BF6C-CC9F9E6A5F0E}"/>
               </a:ext>
             </a:extLst>
           </p:cNvPr>
@@ -22620,7 +22642,7 @@
           <p:cNvPr id="12" name="群組 11">
             <a:extLst>
               <a:ext uri="{FF2B5EF4-FFF2-40B4-BE49-F238E27FC236}">
-                <a16:creationId xmlns:a16="http://schemas.microsoft.com/office/drawing/2014/main" id="{DC8F6BA8-5CEE-44E1-A9EB-882529B3C85F}"/>
+                <a16:creationId xmlns:a16="http://schemas.microsoft.com/office/drawing/2014/main" xmlns="" id="{DC8F6BA8-5CEE-44E1-A9EB-882529B3C85F}"/>
               </a:ext>
             </a:extLst>
           </p:cNvPr>
@@ -27606,7 +27628,7 @@
           <p:cNvPr id="4" name="群組 3">
             <a:extLst>
               <a:ext uri="{FF2B5EF4-FFF2-40B4-BE49-F238E27FC236}">
-                <a16:creationId xmlns:a16="http://schemas.microsoft.com/office/drawing/2014/main" id="{A94639FB-3722-4736-BF5F-828BCEB614FB}"/>
+                <a16:creationId xmlns:a16="http://schemas.microsoft.com/office/drawing/2014/main" xmlns="" id="{A94639FB-3722-4736-BF5F-828BCEB614FB}"/>
               </a:ext>
             </a:extLst>
           </p:cNvPr>
@@ -27626,7 +27648,7 @@
             <p:cNvPr id="13" name="向右箭號 43">
               <a:extLst>
                 <a:ext uri="{FF2B5EF4-FFF2-40B4-BE49-F238E27FC236}">
-                  <a16:creationId xmlns:a16="http://schemas.microsoft.com/office/drawing/2014/main" id="{FEFAF2B6-1523-4105-A53A-AD2DFDA1C345}"/>
+                  <a16:creationId xmlns:a16="http://schemas.microsoft.com/office/drawing/2014/main" xmlns="" id="{FEFAF2B6-1523-4105-A53A-AD2DFDA1C345}"/>
                 </a:ext>
               </a:extLst>
             </p:cNvPr>
@@ -27697,7 +27719,7 @@
             <p:cNvPr id="14" name="文字方塊 13">
               <a:extLst>
                 <a:ext uri="{FF2B5EF4-FFF2-40B4-BE49-F238E27FC236}">
-                  <a16:creationId xmlns:a16="http://schemas.microsoft.com/office/drawing/2014/main" id="{E6CAE37B-2A48-44DE-8EF9-06BE3B172863}"/>
+                  <a16:creationId xmlns:a16="http://schemas.microsoft.com/office/drawing/2014/main" xmlns="" id="{E6CAE37B-2A48-44DE-8EF9-06BE3B172863}"/>
                 </a:ext>
               </a:extLst>
             </p:cNvPr>
@@ -27732,7 +27754,7 @@
             <p:cNvPr id="15" name="向右箭號 45">
               <a:extLst>
                 <a:ext uri="{FF2B5EF4-FFF2-40B4-BE49-F238E27FC236}">
-                  <a16:creationId xmlns:a16="http://schemas.microsoft.com/office/drawing/2014/main" id="{9AA2CE89-2A9C-4043-A535-0E40E1D3CF09}"/>
+                  <a16:creationId xmlns:a16="http://schemas.microsoft.com/office/drawing/2014/main" xmlns="" id="{9AA2CE89-2A9C-4043-A535-0E40E1D3CF09}"/>
                 </a:ext>
               </a:extLst>
             </p:cNvPr>
@@ -27803,7 +27825,7 @@
             <p:cNvPr id="16" name="文字方塊 15">
               <a:extLst>
                 <a:ext uri="{FF2B5EF4-FFF2-40B4-BE49-F238E27FC236}">
-                  <a16:creationId xmlns:a16="http://schemas.microsoft.com/office/drawing/2014/main" id="{3527B8E3-4A6C-45D3-9B68-55F8D7138BEF}"/>
+                  <a16:creationId xmlns:a16="http://schemas.microsoft.com/office/drawing/2014/main" xmlns="" id="{3527B8E3-4A6C-45D3-9B68-55F8D7138BEF}"/>
                 </a:ext>
               </a:extLst>
             </p:cNvPr>
@@ -27838,7 +27860,7 @@
             <p:cNvPr id="17" name="向右箭號 64">
               <a:extLst>
                 <a:ext uri="{FF2B5EF4-FFF2-40B4-BE49-F238E27FC236}">
-                  <a16:creationId xmlns:a16="http://schemas.microsoft.com/office/drawing/2014/main" id="{8A0727B9-0106-40C6-95F9-B858F89D3FB8}"/>
+                  <a16:creationId xmlns:a16="http://schemas.microsoft.com/office/drawing/2014/main" xmlns="" id="{8A0727B9-0106-40C6-95F9-B858F89D3FB8}"/>
                 </a:ext>
               </a:extLst>
             </p:cNvPr>
@@ -27909,7 +27931,7 @@
             <p:cNvPr id="18" name="文字方塊 17">
               <a:extLst>
                 <a:ext uri="{FF2B5EF4-FFF2-40B4-BE49-F238E27FC236}">
-                  <a16:creationId xmlns:a16="http://schemas.microsoft.com/office/drawing/2014/main" id="{D4D585F0-A6DB-4230-B763-7983F5545FC1}"/>
+                  <a16:creationId xmlns:a16="http://schemas.microsoft.com/office/drawing/2014/main" xmlns="" id="{D4D585F0-A6DB-4230-B763-7983F5545FC1}"/>
                 </a:ext>
               </a:extLst>
             </p:cNvPr>
@@ -27944,7 +27966,7 @@
             <p:cNvPr id="19" name="向右箭號 66">
               <a:extLst>
                 <a:ext uri="{FF2B5EF4-FFF2-40B4-BE49-F238E27FC236}">
-                  <a16:creationId xmlns:a16="http://schemas.microsoft.com/office/drawing/2014/main" id="{8C735A1D-3941-4055-BE38-6825007DFAD0}"/>
+                  <a16:creationId xmlns:a16="http://schemas.microsoft.com/office/drawing/2014/main" xmlns="" id="{8C735A1D-3941-4055-BE38-6825007DFAD0}"/>
                 </a:ext>
               </a:extLst>
             </p:cNvPr>
@@ -28015,7 +28037,7 @@
             <p:cNvPr id="20" name="文字方塊 19">
               <a:extLst>
                 <a:ext uri="{FF2B5EF4-FFF2-40B4-BE49-F238E27FC236}">
-                  <a16:creationId xmlns:a16="http://schemas.microsoft.com/office/drawing/2014/main" id="{83C28C44-61B2-4DE1-ADF1-35789CD9CE3B}"/>
+                  <a16:creationId xmlns:a16="http://schemas.microsoft.com/office/drawing/2014/main" xmlns="" id="{83C28C44-61B2-4DE1-ADF1-35789CD9CE3B}"/>
                 </a:ext>
               </a:extLst>
             </p:cNvPr>
@@ -29929,7 +29951,7 @@
     </a:clrScheme>
     <a:fontScheme name="Office">
       <a:majorFont>
-        <a:latin typeface="Calibri Light" panose="020F0302020204030204"/>
+        <a:latin typeface="Calibri Light"/>
         <a:ea typeface=""/>
         <a:cs typeface=""/>
         <a:font script="Jpan" typeface="游ゴシック Light"/>
@@ -29981,7 +30003,7 @@
         <a:font script="Tfng" typeface="Ebrima"/>
       </a:majorFont>
       <a:minorFont>
-        <a:latin typeface="Calibri" panose="020F0502020204030204"/>
+        <a:latin typeface="Calibri"/>
         <a:ea typeface=""/>
         <a:cs typeface=""/>
         <a:font script="Jpan" typeface="游ゴシック"/>
@@ -30175,7 +30197,7 @@
   <a:extraClrSchemeLst/>
   <a:extLst>
     <a:ext uri="{05A4C25C-085E-4340-85A3-A5531E510DB2}">
-      <thm15:themeFamily xmlns:thm15="http://schemas.microsoft.com/office/thememl/2012/main" name="Office Theme" id="{62F939B6-93AF-4DB8-9C6B-D6C7DFDC589F}" vid="{4A3C46E8-61CC-4603-A589-7422A47A8E4A}"/>
+      <thm15:themeFamily xmlns:thm15="http://schemas.microsoft.com/office/thememl/2012/main" xmlns="" name="Office Theme" id="{62F939B6-93AF-4DB8-9C6B-D6C7DFDC589F}" vid="{4A3C46E8-61CC-4603-A589-7422A47A8E4A}"/>
     </a:ext>
   </a:extLst>
 </a:theme>
